--- a/2104转正/述职报告_添加备注简洁化修改版_1.pptx
+++ b/2104转正/述职报告_添加备注简洁化修改版_1.pptx
@@ -3569,7 +3569,7 @@
           <a:p>
             <a:fld id="{DF92E6B9-FE48-4B6B-975C-FB54F643CFEB}" type="datetimeFigureOut">
               <a:rPr lang="zh-CN" altLang="en-US" smtClean="0"/>
-              <a:t>2021/4/20</a:t>
+              <a:t>2021/4/21</a:t>
             </a:fld>
             <a:endParaRPr lang="zh-CN" altLang="en-US"/>
           </a:p>
@@ -5563,7 +5563,7 @@
           <a:p>
             <a:fld id="{A4AD3DDF-7AA9-4E9C-9FEA-75EC9CA270B3}" type="datetimeFigureOut">
               <a:rPr lang="zh-CN" altLang="en-US" smtClean="0"/>
-              <a:t>2021/4/20</a:t>
+              <a:t>2021/4/21</a:t>
             </a:fld>
             <a:endParaRPr lang="zh-CN" altLang="en-US"/>
           </a:p>
@@ -5810,7 +5810,7 @@
           <a:p>
             <a:fld id="{A4AD3DDF-7AA9-4E9C-9FEA-75EC9CA270B3}" type="datetimeFigureOut">
               <a:rPr lang="zh-CN" altLang="en-US" smtClean="0"/>
-              <a:t>2021/4/20</a:t>
+              <a:t>2021/4/21</a:t>
             </a:fld>
             <a:endParaRPr lang="zh-CN" altLang="en-US"/>
           </a:p>
@@ -5973,7 +5973,7 @@
           <a:p>
             <a:fld id="{A4AD3DDF-7AA9-4E9C-9FEA-75EC9CA270B3}" type="datetimeFigureOut">
               <a:rPr lang="zh-CN" altLang="en-US" smtClean="0"/>
-              <a:t>2021/4/20</a:t>
+              <a:t>2021/4/21</a:t>
             </a:fld>
             <a:endParaRPr lang="zh-CN" altLang="en-US"/>
           </a:p>
@@ -6146,7 +6146,7 @@
           <a:p>
             <a:fld id="{A4AD3DDF-7AA9-4E9C-9FEA-75EC9CA270B3}" type="datetimeFigureOut">
               <a:rPr lang="zh-CN" altLang="en-US" smtClean="0"/>
-              <a:t>2021/4/20</a:t>
+              <a:t>2021/4/21</a:t>
             </a:fld>
             <a:endParaRPr lang="zh-CN" altLang="en-US"/>
           </a:p>
@@ -6309,7 +6309,7 @@
           <a:p>
             <a:fld id="{A4AD3DDF-7AA9-4E9C-9FEA-75EC9CA270B3}" type="datetimeFigureOut">
               <a:rPr lang="zh-CN" altLang="en-US" smtClean="0"/>
-              <a:t>2021/4/20</a:t>
+              <a:t>2021/4/21</a:t>
             </a:fld>
             <a:endParaRPr lang="zh-CN" altLang="en-US"/>
           </a:p>
@@ -6549,7 +6549,7 @@
           <a:p>
             <a:fld id="{A4AD3DDF-7AA9-4E9C-9FEA-75EC9CA270B3}" type="datetimeFigureOut">
               <a:rPr lang="zh-CN" altLang="en-US" smtClean="0"/>
-              <a:t>2021/4/20</a:t>
+              <a:t>2021/4/21</a:t>
             </a:fld>
             <a:endParaRPr lang="zh-CN" altLang="en-US"/>
           </a:p>
@@ -7333,7 +7333,7 @@
           <a:p>
             <a:fld id="{A4AD3DDF-7AA9-4E9C-9FEA-75EC9CA270B3}" type="datetimeFigureOut">
               <a:rPr lang="zh-CN" altLang="en-US" smtClean="0"/>
-              <a:t>2021/4/20</a:t>
+              <a:t>2021/4/21</a:t>
             </a:fld>
             <a:endParaRPr lang="zh-CN" altLang="en-US"/>
           </a:p>
@@ -7692,7 +7692,7 @@
           <a:p>
             <a:fld id="{A4AD3DDF-7AA9-4E9C-9FEA-75EC9CA270B3}" type="datetimeFigureOut">
               <a:rPr lang="zh-CN" altLang="en-US" smtClean="0"/>
-              <a:t>2021/4/20</a:t>
+              <a:t>2021/4/21</a:t>
             </a:fld>
             <a:endParaRPr lang="zh-CN" altLang="en-US"/>
           </a:p>
@@ -7804,7 +7804,7 @@
           <a:p>
             <a:fld id="{A4AD3DDF-7AA9-4E9C-9FEA-75EC9CA270B3}" type="datetimeFigureOut">
               <a:rPr lang="zh-CN" altLang="en-US" smtClean="0"/>
-              <a:t>2021/4/20</a:t>
+              <a:t>2021/4/21</a:t>
             </a:fld>
             <a:endParaRPr lang="zh-CN" altLang="en-US"/>
           </a:p>
@@ -7894,7 +7894,7 @@
           <a:p>
             <a:fld id="{A4AD3DDF-7AA9-4E9C-9FEA-75EC9CA270B3}" type="datetimeFigureOut">
               <a:rPr lang="zh-CN" altLang="en-US" smtClean="0"/>
-              <a:t>2021/4/20</a:t>
+              <a:t>2021/4/21</a:t>
             </a:fld>
             <a:endParaRPr lang="zh-CN" altLang="en-US"/>
           </a:p>
@@ -8229,7 +8229,7 @@
           <a:p>
             <a:fld id="{A4AD3DDF-7AA9-4E9C-9FEA-75EC9CA270B3}" type="datetimeFigureOut">
               <a:rPr lang="zh-CN" altLang="en-US" smtClean="0"/>
-              <a:t>2021/4/20</a:t>
+              <a:t>2021/4/21</a:t>
             </a:fld>
             <a:endParaRPr lang="zh-CN" altLang="en-US"/>
           </a:p>
@@ -8435,7 +8435,7 @@
           <a:p>
             <a:fld id="{A4AD3DDF-7AA9-4E9C-9FEA-75EC9CA270B3}" type="datetimeFigureOut">
               <a:rPr lang="zh-CN" altLang="en-US" smtClean="0"/>
-              <a:t>2021/4/20</a:t>
+              <a:t>2021/4/21</a:t>
             </a:fld>
             <a:endParaRPr lang="zh-CN" altLang="en-US"/>
           </a:p>
@@ -24976,6 +24976,9 @@
                     <p:cTn id="3" fill="hold">
                       <p:stCondLst>
                         <p:cond delay="indefinite"/>
+                        <p:cond evt="onBegin" delay="0">
+                          <p:tn val="2"/>
+                        </p:cond>
                       </p:stCondLst>
                       <p:childTnLst>
                         <p:par>
@@ -24985,7 +24988,7 @@
                             </p:stCondLst>
                             <p:childTnLst>
                               <p:par>
-                                <p:cTn id="5" presetID="53" presetClass="entr" presetSubtype="16" fill="hold" nodeType="clickEffect">
+                                <p:cTn id="5" presetID="53" presetClass="entr" presetSubtype="16" fill="hold" nodeType="afterEffect">
                                   <p:stCondLst>
                                     <p:cond delay="0"/>
                                   </p:stCondLst>

--- a/2104转正/述职报告_添加备注简洁化修改版_1.pptx
+++ b/2104转正/述职报告_添加备注简洁化修改版_1.pptx
@@ -1,6 +1,6 @@
 
 <file path=ppt/presentation.xml><?xml version="1.0" encoding="utf-8"?>
-<p:presentation xmlns:a="http://schemas.openxmlformats.org/drawingml/2006/main" xmlns:r="http://schemas.openxmlformats.org/officeDocument/2006/relationships" xmlns:p="http://schemas.openxmlformats.org/presentationml/2006/main" embedTrueTypeFonts="1" saveSubsetFonts="1">
+<p:presentation xmlns:a="http://schemas.openxmlformats.org/drawingml/2006/main" xmlns:r="http://schemas.openxmlformats.org/officeDocument/2006/relationships" xmlns:p="http://schemas.openxmlformats.org/presentationml/2006/main" embedTrueTypeFonts="1">
   <p:sldMasterIdLst>
     <p:sldMasterId id="2147483648" r:id="rId1"/>
   </p:sldMasterIdLst>
@@ -28,32 +28,36 @@
   <p:notesSz cx="6858000" cy="9144000"/>
   <p:embeddedFontLst>
     <p:embeddedFont>
+      <p:font typeface="华文琥珀" panose="02010800040101010101" pitchFamily="2" charset="-122"/>
+      <p:regular r:id="rId18"/>
+    </p:embeddedFont>
+    <p:embeddedFont>
       <p:font typeface="Calibri" panose="020F0502020204030204" pitchFamily="34" charset="0"/>
-      <p:regular r:id="rId18"/>
-      <p:bold r:id="rId19"/>
-      <p:italic r:id="rId20"/>
-      <p:boldItalic r:id="rId21"/>
+      <p:regular r:id="rId19"/>
+      <p:bold r:id="rId20"/>
+      <p:italic r:id="rId21"/>
+      <p:boldItalic r:id="rId22"/>
     </p:embeddedFont>
     <p:embeddedFont>
       <p:font typeface="等线" panose="02010600030101010101" pitchFamily="2" charset="-122"/>
-      <p:regular r:id="rId22"/>
-      <p:bold r:id="rId23"/>
+      <p:regular r:id="rId23"/>
+      <p:bold r:id="rId24"/>
     </p:embeddedFont>
     <p:embeddedFont>
       <p:font typeface="华文彩云" panose="02010800040101010101" pitchFamily="2" charset="-122"/>
-      <p:regular r:id="rId24"/>
+      <p:regular r:id="rId25"/>
     </p:embeddedFont>
     <p:embeddedFont>
       <p:font typeface="华文隶书" panose="02010800040101010101" pitchFamily="2" charset="-122"/>
-      <p:regular r:id="rId25"/>
+      <p:regular r:id="rId26"/>
     </p:embeddedFont>
     <p:embeddedFont>
       <p:font typeface="华文新魏" panose="02010800040101010101" pitchFamily="2" charset="-122"/>
-      <p:regular r:id="rId26"/>
+      <p:regular r:id="rId27"/>
     </p:embeddedFont>
   </p:embeddedFontLst>
   <p:custDataLst>
-    <p:tags r:id="rId27"/>
+    <p:tags r:id="rId28"/>
   </p:custDataLst>
   <p:defaultTextStyle>
     <a:defPPr>
@@ -3569,7 +3573,7 @@
           <a:p>
             <a:fld id="{DF92E6B9-FE48-4B6B-975C-FB54F643CFEB}" type="datetimeFigureOut">
               <a:rPr lang="zh-CN" altLang="en-US" smtClean="0"/>
-              <a:t>2021/4/21</a:t>
+              <a:t>2021/4/22</a:t>
             </a:fld>
             <a:endParaRPr lang="zh-CN" altLang="en-US"/>
           </a:p>
@@ -5563,7 +5567,7 @@
           <a:p>
             <a:fld id="{A4AD3DDF-7AA9-4E9C-9FEA-75EC9CA270B3}" type="datetimeFigureOut">
               <a:rPr lang="zh-CN" altLang="en-US" smtClean="0"/>
-              <a:t>2021/4/21</a:t>
+              <a:t>2021/4/22</a:t>
             </a:fld>
             <a:endParaRPr lang="zh-CN" altLang="en-US"/>
           </a:p>
@@ -5810,7 +5814,7 @@
           <a:p>
             <a:fld id="{A4AD3DDF-7AA9-4E9C-9FEA-75EC9CA270B3}" type="datetimeFigureOut">
               <a:rPr lang="zh-CN" altLang="en-US" smtClean="0"/>
-              <a:t>2021/4/21</a:t>
+              <a:t>2021/4/22</a:t>
             </a:fld>
             <a:endParaRPr lang="zh-CN" altLang="en-US"/>
           </a:p>
@@ -5973,7 +5977,7 @@
           <a:p>
             <a:fld id="{A4AD3DDF-7AA9-4E9C-9FEA-75EC9CA270B3}" type="datetimeFigureOut">
               <a:rPr lang="zh-CN" altLang="en-US" smtClean="0"/>
-              <a:t>2021/4/21</a:t>
+              <a:t>2021/4/22</a:t>
             </a:fld>
             <a:endParaRPr lang="zh-CN" altLang="en-US"/>
           </a:p>
@@ -6146,7 +6150,7 @@
           <a:p>
             <a:fld id="{A4AD3DDF-7AA9-4E9C-9FEA-75EC9CA270B3}" type="datetimeFigureOut">
               <a:rPr lang="zh-CN" altLang="en-US" smtClean="0"/>
-              <a:t>2021/4/21</a:t>
+              <a:t>2021/4/22</a:t>
             </a:fld>
             <a:endParaRPr lang="zh-CN" altLang="en-US"/>
           </a:p>
@@ -6309,7 +6313,7 @@
           <a:p>
             <a:fld id="{A4AD3DDF-7AA9-4E9C-9FEA-75EC9CA270B3}" type="datetimeFigureOut">
               <a:rPr lang="zh-CN" altLang="en-US" smtClean="0"/>
-              <a:t>2021/4/21</a:t>
+              <a:t>2021/4/22</a:t>
             </a:fld>
             <a:endParaRPr lang="zh-CN" altLang="en-US"/>
           </a:p>
@@ -6549,7 +6553,7 @@
           <a:p>
             <a:fld id="{A4AD3DDF-7AA9-4E9C-9FEA-75EC9CA270B3}" type="datetimeFigureOut">
               <a:rPr lang="zh-CN" altLang="en-US" smtClean="0"/>
-              <a:t>2021/4/21</a:t>
+              <a:t>2021/4/22</a:t>
             </a:fld>
             <a:endParaRPr lang="zh-CN" altLang="en-US"/>
           </a:p>
@@ -7333,7 +7337,7 @@
           <a:p>
             <a:fld id="{A4AD3DDF-7AA9-4E9C-9FEA-75EC9CA270B3}" type="datetimeFigureOut">
               <a:rPr lang="zh-CN" altLang="en-US" smtClean="0"/>
-              <a:t>2021/4/21</a:t>
+              <a:t>2021/4/22</a:t>
             </a:fld>
             <a:endParaRPr lang="zh-CN" altLang="en-US"/>
           </a:p>
@@ -7692,7 +7696,7 @@
           <a:p>
             <a:fld id="{A4AD3DDF-7AA9-4E9C-9FEA-75EC9CA270B3}" type="datetimeFigureOut">
               <a:rPr lang="zh-CN" altLang="en-US" smtClean="0"/>
-              <a:t>2021/4/21</a:t>
+              <a:t>2021/4/22</a:t>
             </a:fld>
             <a:endParaRPr lang="zh-CN" altLang="en-US"/>
           </a:p>
@@ -7804,7 +7808,7 @@
           <a:p>
             <a:fld id="{A4AD3DDF-7AA9-4E9C-9FEA-75EC9CA270B3}" type="datetimeFigureOut">
               <a:rPr lang="zh-CN" altLang="en-US" smtClean="0"/>
-              <a:t>2021/4/21</a:t>
+              <a:t>2021/4/22</a:t>
             </a:fld>
             <a:endParaRPr lang="zh-CN" altLang="en-US"/>
           </a:p>
@@ -7894,7 +7898,7 @@
           <a:p>
             <a:fld id="{A4AD3DDF-7AA9-4E9C-9FEA-75EC9CA270B3}" type="datetimeFigureOut">
               <a:rPr lang="zh-CN" altLang="en-US" smtClean="0"/>
-              <a:t>2021/4/21</a:t>
+              <a:t>2021/4/22</a:t>
             </a:fld>
             <a:endParaRPr lang="zh-CN" altLang="en-US"/>
           </a:p>
@@ -8229,7 +8233,7 @@
           <a:p>
             <a:fld id="{A4AD3DDF-7AA9-4E9C-9FEA-75EC9CA270B3}" type="datetimeFigureOut">
               <a:rPr lang="zh-CN" altLang="en-US" smtClean="0"/>
-              <a:t>2021/4/21</a:t>
+              <a:t>2021/4/22</a:t>
             </a:fld>
             <a:endParaRPr lang="zh-CN" altLang="en-US"/>
           </a:p>
@@ -8435,7 +8439,7 @@
           <a:p>
             <a:fld id="{A4AD3DDF-7AA9-4E9C-9FEA-75EC9CA270B3}" type="datetimeFigureOut">
               <a:rPr lang="zh-CN" altLang="en-US" smtClean="0"/>
-              <a:t>2021/4/21</a:t>
+              <a:t>2021/4/22</a:t>
             </a:fld>
             <a:endParaRPr lang="zh-CN" altLang="en-US"/>
           </a:p>
@@ -36339,8 +36343,8 @@
         </p:nvSpPr>
         <p:spPr>
           <a:xfrm rot="16200000">
-            <a:off x="4892146" y="-2223426"/>
-            <a:ext cx="736600" cy="7508823"/>
+            <a:off x="4706449" y="-2223426"/>
+            <a:ext cx="1107996" cy="7508823"/>
           </a:xfrm>
           <a:prstGeom prst="rect">
             <a:avLst/>
@@ -36439,38 +36443,38 @@
                 <a:cs typeface="+mn-ea"/>
                 <a:sym typeface="+mn-lt"/>
               </a:rPr>
-              <a:t>销售额总额：</a:t>
+              <a:t>销售额总额  </a:t>
             </a:r>
             <a:r>
-              <a:rPr lang="en-US" altLang="zh-CN" dirty="0">
+              <a:rPr lang="en-US" altLang="zh-CN" sz="3000" b="1" dirty="0">
                 <a:solidFill>
-                  <a:srgbClr val="25313D"/>
+                  <a:srgbClr val="EF0023"/>
                 </a:solidFill>
-                <a:latin typeface="华文彩云" panose="02010800040101010101" pitchFamily="2" charset="-122"/>
-                <a:ea typeface="华文彩云" panose="02010800040101010101" pitchFamily="2" charset="-122"/>
+                <a:latin typeface="华文琥珀" panose="02010800040101010101" pitchFamily="2" charset="-122"/>
+                <a:ea typeface="华文琥珀" panose="02010800040101010101" pitchFamily="2" charset="-122"/>
                 <a:cs typeface="+mn-ea"/>
                 <a:sym typeface="+mn-lt"/>
               </a:rPr>
               <a:t>470</a:t>
             </a:r>
             <a:r>
-              <a:rPr lang="zh-CN" altLang="en-US" dirty="0">
+              <a:rPr lang="zh-CN" altLang="en-US" sz="3000" b="1" dirty="0">
                 <a:solidFill>
-                  <a:srgbClr val="25313D"/>
+                  <a:srgbClr val="EF0023"/>
                 </a:solidFill>
-                <a:latin typeface="华文彩云" panose="02010800040101010101" pitchFamily="2" charset="-122"/>
-                <a:ea typeface="华文彩云" panose="02010800040101010101" pitchFamily="2" charset="-122"/>
+                <a:latin typeface="华文琥珀" panose="02010800040101010101" pitchFamily="2" charset="-122"/>
+                <a:ea typeface="华文琥珀" panose="02010800040101010101" pitchFamily="2" charset="-122"/>
                 <a:cs typeface="+mn-ea"/>
                 <a:sym typeface="+mn-lt"/>
               </a:rPr>
               <a:t>万元</a:t>
             </a:r>
-            <a:endParaRPr lang="en-US" altLang="zh-CN" dirty="0">
+            <a:endParaRPr lang="en-US" altLang="zh-CN" sz="3000" b="1" dirty="0">
               <a:solidFill>
-                <a:srgbClr val="25313D"/>
+                <a:srgbClr val="EF0023"/>
               </a:solidFill>
-              <a:latin typeface="华文彩云" panose="02010800040101010101" pitchFamily="2" charset="-122"/>
-              <a:ea typeface="华文彩云" panose="02010800040101010101" pitchFamily="2" charset="-122"/>
+              <a:latin typeface="华文琥珀" panose="02010800040101010101" pitchFamily="2" charset="-122"/>
+              <a:ea typeface="华文琥珀" panose="02010800040101010101" pitchFamily="2" charset="-122"/>
               <a:cs typeface="+mn-ea"/>
               <a:sym typeface="+mn-lt"/>
             </a:endParaRPr>
@@ -36490,27 +36494,27 @@
                 <a:cs typeface="+mn-ea"/>
                 <a:sym typeface="+mn-lt"/>
               </a:rPr>
-              <a:t>全平台接待总人数：</a:t>
+              <a:t>全平台接待总人数   </a:t>
             </a:r>
             <a:r>
-              <a:rPr lang="en-US" altLang="zh-CN" dirty="0">
+              <a:rPr lang="en-US" altLang="zh-CN" sz="3000" b="1" dirty="0">
                 <a:solidFill>
-                  <a:srgbClr val="25313D"/>
+                  <a:srgbClr val="EF0023"/>
                 </a:solidFill>
-                <a:latin typeface="华文彩云" panose="02010800040101010101" pitchFamily="2" charset="-122"/>
-                <a:ea typeface="华文彩云" panose="02010800040101010101" pitchFamily="2" charset="-122"/>
+                <a:latin typeface="华文琥珀" panose="02010800040101010101" pitchFamily="2" charset="-122"/>
+                <a:ea typeface="华文琥珀" panose="02010800040101010101" pitchFamily="2" charset="-122"/>
                 <a:cs typeface="+mn-ea"/>
                 <a:sym typeface="+mn-lt"/>
               </a:rPr>
               <a:t>19608</a:t>
             </a:r>
             <a:r>
-              <a:rPr lang="zh-CN" altLang="en-US" dirty="0">
+              <a:rPr lang="zh-CN" altLang="en-US" sz="3000" b="1" dirty="0">
                 <a:solidFill>
-                  <a:srgbClr val="25313D"/>
+                  <a:srgbClr val="EF0023"/>
                 </a:solidFill>
-                <a:latin typeface="华文彩云" panose="02010800040101010101" pitchFamily="2" charset="-122"/>
-                <a:ea typeface="华文彩云" panose="02010800040101010101" pitchFamily="2" charset="-122"/>
+                <a:latin typeface="华文琥珀" panose="02010800040101010101" pitchFamily="2" charset="-122"/>
+                <a:ea typeface="华文琥珀" panose="02010800040101010101" pitchFamily="2" charset="-122"/>
                 <a:cs typeface="+mn-ea"/>
                 <a:sym typeface="+mn-lt"/>
               </a:rPr>
@@ -37141,8 +37145,8 @@
         </p:nvSpPr>
         <p:spPr>
           <a:xfrm>
-            <a:off x="925454" y="1193661"/>
-            <a:ext cx="7314904" cy="646331"/>
+            <a:off x="1144529" y="963542"/>
+            <a:ext cx="7314904" cy="1015663"/>
           </a:xfrm>
           <a:prstGeom prst="rect">
             <a:avLst/>
@@ -37169,19 +37173,19 @@
                 <a:cs typeface="+mn-ea"/>
                 <a:sym typeface="+mn-lt"/>
               </a:rPr>
-              <a:t>平均响应时长由最初</a:t>
+              <a:t>平均响应时长由最初 </a:t>
             </a:r>
             <a:r>
-              <a:rPr lang="en-US" altLang="zh-CN" dirty="0">
+              <a:rPr lang="en-US" altLang="zh-CN" sz="3000" b="1" dirty="0">
                 <a:solidFill>
                   <a:srgbClr val="25313D"/>
                 </a:solidFill>
-                <a:latin typeface="华文彩云" panose="02010800040101010101" pitchFamily="2" charset="-122"/>
-                <a:ea typeface="华文彩云" panose="02010800040101010101" pitchFamily="2" charset="-122"/>
+                <a:latin typeface="华文琥珀" panose="02010800040101010101" pitchFamily="2" charset="-122"/>
+                <a:ea typeface="华文琥珀" panose="02010800040101010101" pitchFamily="2" charset="-122"/>
                 <a:cs typeface="+mn-ea"/>
                 <a:sym typeface="+mn-lt"/>
               </a:rPr>
-              <a:t>19.41s</a:t>
+              <a:t>19.41s </a:t>
             </a:r>
             <a:r>
               <a:rPr lang="zh-CN" altLang="en-US" dirty="0">
@@ -37193,15 +37197,15 @@
                 <a:cs typeface="+mn-ea"/>
                 <a:sym typeface="+mn-lt"/>
               </a:rPr>
-              <a:t>降低至</a:t>
+              <a:t>降低至 </a:t>
             </a:r>
             <a:r>
-              <a:rPr lang="en-US" altLang="zh-CN" dirty="0">
+              <a:rPr lang="en-US" altLang="zh-CN" sz="3000" b="1" dirty="0">
                 <a:solidFill>
-                  <a:srgbClr val="25313D"/>
+                  <a:srgbClr val="EF0023"/>
                 </a:solidFill>
-                <a:latin typeface="华文彩云" panose="02010800040101010101" pitchFamily="2" charset="-122"/>
-                <a:ea typeface="华文彩云" panose="02010800040101010101" pitchFamily="2" charset="-122"/>
+                <a:latin typeface="华文琥珀" panose="02010800040101010101" pitchFamily="2" charset="-122"/>
+                <a:ea typeface="华文琥珀" panose="02010800040101010101" pitchFamily="2" charset="-122"/>
                 <a:cs typeface="+mn-ea"/>
                 <a:sym typeface="+mn-lt"/>
               </a:rPr>
@@ -37223,19 +37227,31 @@
                 <a:cs typeface="+mn-ea"/>
                 <a:sym typeface="+mn-lt"/>
               </a:rPr>
-              <a:t>客户满意度稳步提升至</a:t>
+              <a:t>客户满意度稳步提升至  </a:t>
             </a:r>
             <a:r>
-              <a:rPr lang="en-US" altLang="zh-CN" dirty="0">
+              <a:rPr lang="en-US" altLang="zh-CN" sz="3000" b="1" dirty="0">
                 <a:solidFill>
-                  <a:srgbClr val="25313D"/>
+                  <a:srgbClr val="EF0023"/>
                 </a:solidFill>
-                <a:latin typeface="华文彩云" panose="02010800040101010101" pitchFamily="2" charset="-122"/>
-                <a:ea typeface="华文彩云" panose="02010800040101010101" pitchFamily="2" charset="-122"/>
+                <a:latin typeface="华文琥珀" panose="02010800040101010101" pitchFamily="2" charset="-122"/>
+                <a:ea typeface="华文琥珀" panose="02010800040101010101" pitchFamily="2" charset="-122"/>
                 <a:cs typeface="+mn-ea"/>
                 <a:sym typeface="+mn-lt"/>
               </a:rPr>
               <a:t>99.53%</a:t>
+            </a:r>
+            <a:r>
+              <a:rPr lang="en-US" altLang="zh-CN" sz="2800" b="1" dirty="0">
+                <a:solidFill>
+                  <a:srgbClr val="25313D"/>
+                </a:solidFill>
+                <a:latin typeface="华文琥珀" panose="02010800040101010101" pitchFamily="2" charset="-122"/>
+                <a:ea typeface="华文琥珀" panose="02010800040101010101" pitchFamily="2" charset="-122"/>
+                <a:cs typeface="+mn-ea"/>
+                <a:sym typeface="+mn-lt"/>
+              </a:rPr>
+              <a:t> </a:t>
             </a:r>
             <a:r>
               <a:rPr lang="zh-CN" altLang="en-US" dirty="0">
@@ -37247,7 +37263,7 @@
                 <a:cs typeface="+mn-ea"/>
                 <a:sym typeface="+mn-lt"/>
               </a:rPr>
-              <a:t>，始终维持在店铺平均以上</a:t>
+              <a:t> 始终维持在店铺平均以上</a:t>
             </a:r>
             <a:endParaRPr lang="en-US" altLang="zh-CN" dirty="0">
               <a:solidFill>
